--- a/docs/manuals/server_installation.pptx
+++ b/docs/manuals/server_installation.pptx
@@ -121,6 +121,11 @@
       </a:defRPr>
     </a:lvl9pPr>
   </p:defaultTextStyle>
+  <p:extLst>
+    <p:ext uri="{EFAFB233-063F-42B5-8137-9DF3F51BA10A}">
+      <p15:sldGuideLst xmlns:p15="http://schemas.microsoft.com/office/powerpoint/2012/main"/>
+    </p:ext>
+  </p:extLst>
 </p:presentation>
 </file>
 
@@ -271,7 +276,7 @@
           <a:p>
             <a:fld id="{BCE55024-FF9C-3C41-8EC5-BE21CE1D906F}" type="datetimeFigureOut">
               <a:rPr lang="en-US" smtClean="0"/>
-              <a:t>5/31/19</a:t>
+              <a:t>6/5/19</a:t>
             </a:fld>
             <a:endParaRPr lang="en-US"/>
           </a:p>
@@ -469,7 +474,7 @@
           <a:p>
             <a:fld id="{BCE55024-FF9C-3C41-8EC5-BE21CE1D906F}" type="datetimeFigureOut">
               <a:rPr lang="en-US" smtClean="0"/>
-              <a:t>5/31/19</a:t>
+              <a:t>6/5/19</a:t>
             </a:fld>
             <a:endParaRPr lang="en-US"/>
           </a:p>
@@ -677,7 +682,7 @@
           <a:p>
             <a:fld id="{BCE55024-FF9C-3C41-8EC5-BE21CE1D906F}" type="datetimeFigureOut">
               <a:rPr lang="en-US" smtClean="0"/>
-              <a:t>5/31/19</a:t>
+              <a:t>6/5/19</a:t>
             </a:fld>
             <a:endParaRPr lang="en-US"/>
           </a:p>
@@ -875,7 +880,7 @@
           <a:p>
             <a:fld id="{BCE55024-FF9C-3C41-8EC5-BE21CE1D906F}" type="datetimeFigureOut">
               <a:rPr lang="en-US" smtClean="0"/>
-              <a:t>5/31/19</a:t>
+              <a:t>6/5/19</a:t>
             </a:fld>
             <a:endParaRPr lang="en-US"/>
           </a:p>
@@ -1150,7 +1155,7 @@
           <a:p>
             <a:fld id="{BCE55024-FF9C-3C41-8EC5-BE21CE1D906F}" type="datetimeFigureOut">
               <a:rPr lang="en-US" smtClean="0"/>
-              <a:t>5/31/19</a:t>
+              <a:t>6/5/19</a:t>
             </a:fld>
             <a:endParaRPr lang="en-US"/>
           </a:p>
@@ -1415,7 +1420,7 @@
           <a:p>
             <a:fld id="{BCE55024-FF9C-3C41-8EC5-BE21CE1D906F}" type="datetimeFigureOut">
               <a:rPr lang="en-US" smtClean="0"/>
-              <a:t>5/31/19</a:t>
+              <a:t>6/5/19</a:t>
             </a:fld>
             <a:endParaRPr lang="en-US"/>
           </a:p>
@@ -1827,7 +1832,7 @@
           <a:p>
             <a:fld id="{BCE55024-FF9C-3C41-8EC5-BE21CE1D906F}" type="datetimeFigureOut">
               <a:rPr lang="en-US" smtClean="0"/>
-              <a:t>5/31/19</a:t>
+              <a:t>6/5/19</a:t>
             </a:fld>
             <a:endParaRPr lang="en-US"/>
           </a:p>
@@ -1968,7 +1973,7 @@
           <a:p>
             <a:fld id="{BCE55024-FF9C-3C41-8EC5-BE21CE1D906F}" type="datetimeFigureOut">
               <a:rPr lang="en-US" smtClean="0"/>
-              <a:t>5/31/19</a:t>
+              <a:t>6/5/19</a:t>
             </a:fld>
             <a:endParaRPr lang="en-US"/>
           </a:p>
@@ -2081,7 +2086,7 @@
           <a:p>
             <a:fld id="{BCE55024-FF9C-3C41-8EC5-BE21CE1D906F}" type="datetimeFigureOut">
               <a:rPr lang="en-US" smtClean="0"/>
-              <a:t>5/31/19</a:t>
+              <a:t>6/5/19</a:t>
             </a:fld>
             <a:endParaRPr lang="en-US"/>
           </a:p>
@@ -2392,7 +2397,7 @@
           <a:p>
             <a:fld id="{BCE55024-FF9C-3C41-8EC5-BE21CE1D906F}" type="datetimeFigureOut">
               <a:rPr lang="en-US" smtClean="0"/>
-              <a:t>5/31/19</a:t>
+              <a:t>6/5/19</a:t>
             </a:fld>
             <a:endParaRPr lang="en-US"/>
           </a:p>
@@ -2680,7 +2685,7 @@
           <a:p>
             <a:fld id="{BCE55024-FF9C-3C41-8EC5-BE21CE1D906F}" type="datetimeFigureOut">
               <a:rPr lang="en-US" smtClean="0"/>
-              <a:t>5/31/19</a:t>
+              <a:t>6/5/19</a:t>
             </a:fld>
             <a:endParaRPr lang="en-US"/>
           </a:p>
@@ -2921,7 +2926,7 @@
           <a:p>
             <a:fld id="{BCE55024-FF9C-3C41-8EC5-BE21CE1D906F}" type="datetimeFigureOut">
               <a:rPr lang="en-US" smtClean="0"/>
-              <a:t>5/31/19</a:t>
+              <a:t>6/5/19</a:t>
             </a:fld>
             <a:endParaRPr lang="en-US"/>
           </a:p>
@@ -9382,6 +9387,10 @@
               <a:rPr lang="en-IE" sz="1800" dirty="0" err="1"/>
               <a:t>stringr</a:t>
             </a:r>
+            <a:r>
+              <a:rPr lang="en-IE" sz="1800"/>
+              <a:t>, zoo</a:t>
+            </a:r>
             <a:endParaRPr lang="en-IE" sz="1800" dirty="0"/>
           </a:p>
         </p:txBody>
